--- a/SLIDES/04-css.pptx
+++ b/SLIDES/04-css.pptx
@@ -6,7 +6,8 @@
   </p:sldMasterIdLst>
   <p:sldIdLst>
     <p:sldId id="259" r:id="rId2"/>
-    <p:sldId id="262" r:id="rId3"/>
+    <p:sldId id="263" r:id="rId3"/>
+    <p:sldId id="262" r:id="rId4"/>
   </p:sldIdLst>
   <p:sldSz cx="12192000" cy="6858000"/>
   <p:notesSz cx="6858000" cy="9144000"/>
@@ -262,7 +263,7 @@
           <a:p>
             <a:fld id="{8574AD51-66E8-41A2-B234-7784E7DEEE75}" type="datetimeFigureOut">
               <a:rPr lang="en-GB" smtClean="0"/>
-              <a:t>08/06/2021</a:t>
+              <a:t>09/06/2021</a:t>
             </a:fld>
             <a:endParaRPr lang="en-GB"/>
           </a:p>
@@ -462,7 +463,7 @@
           <a:p>
             <a:fld id="{8574AD51-66E8-41A2-B234-7784E7DEEE75}" type="datetimeFigureOut">
               <a:rPr lang="en-GB" smtClean="0"/>
-              <a:t>08/06/2021</a:t>
+              <a:t>09/06/2021</a:t>
             </a:fld>
             <a:endParaRPr lang="en-GB"/>
           </a:p>
@@ -672,7 +673,7 @@
           <a:p>
             <a:fld id="{8574AD51-66E8-41A2-B234-7784E7DEEE75}" type="datetimeFigureOut">
               <a:rPr lang="en-GB" smtClean="0"/>
-              <a:t>08/06/2021</a:t>
+              <a:t>09/06/2021</a:t>
             </a:fld>
             <a:endParaRPr lang="en-GB"/>
           </a:p>
@@ -872,7 +873,7 @@
           <a:p>
             <a:fld id="{8574AD51-66E8-41A2-B234-7784E7DEEE75}" type="datetimeFigureOut">
               <a:rPr lang="en-GB" smtClean="0"/>
-              <a:t>08/06/2021</a:t>
+              <a:t>09/06/2021</a:t>
             </a:fld>
             <a:endParaRPr lang="en-GB"/>
           </a:p>
@@ -1148,7 +1149,7 @@
           <a:p>
             <a:fld id="{8574AD51-66E8-41A2-B234-7784E7DEEE75}" type="datetimeFigureOut">
               <a:rPr lang="en-GB" smtClean="0"/>
-              <a:t>08/06/2021</a:t>
+              <a:t>09/06/2021</a:t>
             </a:fld>
             <a:endParaRPr lang="en-GB"/>
           </a:p>
@@ -1416,7 +1417,7 @@
           <a:p>
             <a:fld id="{8574AD51-66E8-41A2-B234-7784E7DEEE75}" type="datetimeFigureOut">
               <a:rPr lang="en-GB" smtClean="0"/>
-              <a:t>08/06/2021</a:t>
+              <a:t>09/06/2021</a:t>
             </a:fld>
             <a:endParaRPr lang="en-GB"/>
           </a:p>
@@ -1831,7 +1832,7 @@
           <a:p>
             <a:fld id="{8574AD51-66E8-41A2-B234-7784E7DEEE75}" type="datetimeFigureOut">
               <a:rPr lang="en-GB" smtClean="0"/>
-              <a:t>08/06/2021</a:t>
+              <a:t>09/06/2021</a:t>
             </a:fld>
             <a:endParaRPr lang="en-GB"/>
           </a:p>
@@ -1973,7 +1974,7 @@
           <a:p>
             <a:fld id="{8574AD51-66E8-41A2-B234-7784E7DEEE75}" type="datetimeFigureOut">
               <a:rPr lang="en-GB" smtClean="0"/>
-              <a:t>08/06/2021</a:t>
+              <a:t>09/06/2021</a:t>
             </a:fld>
             <a:endParaRPr lang="en-GB"/>
           </a:p>
@@ -2086,7 +2087,7 @@
           <a:p>
             <a:fld id="{8574AD51-66E8-41A2-B234-7784E7DEEE75}" type="datetimeFigureOut">
               <a:rPr lang="en-GB" smtClean="0"/>
-              <a:t>08/06/2021</a:t>
+              <a:t>09/06/2021</a:t>
             </a:fld>
             <a:endParaRPr lang="en-GB"/>
           </a:p>
@@ -2399,7 +2400,7 @@
           <a:p>
             <a:fld id="{8574AD51-66E8-41A2-B234-7784E7DEEE75}" type="datetimeFigureOut">
               <a:rPr lang="en-GB" smtClean="0"/>
-              <a:t>08/06/2021</a:t>
+              <a:t>09/06/2021</a:t>
             </a:fld>
             <a:endParaRPr lang="en-GB"/>
           </a:p>
@@ -2688,7 +2689,7 @@
           <a:p>
             <a:fld id="{8574AD51-66E8-41A2-B234-7784E7DEEE75}" type="datetimeFigureOut">
               <a:rPr lang="en-GB" smtClean="0"/>
-              <a:t>08/06/2021</a:t>
+              <a:t>09/06/2021</a:t>
             </a:fld>
             <a:endParaRPr lang="en-GB"/>
           </a:p>
@@ -2931,7 +2932,7 @@
           <a:p>
             <a:fld id="{8574AD51-66E8-41A2-B234-7784E7DEEE75}" type="datetimeFigureOut">
               <a:rPr lang="en-GB" smtClean="0"/>
-              <a:t>08/06/2021</a:t>
+              <a:t>09/06/2021</a:t>
             </a:fld>
             <a:endParaRPr lang="en-GB"/>
           </a:p>
@@ -3424,24 +3425,30 @@
             <a:pPr marL="0" indent="0">
               <a:buNone/>
             </a:pPr>
+            <a:endParaRPr lang="en-GB" b="0" dirty="0">
+              <a:effectLst/>
+              <a:latin typeface="Avenir Next LT Pro" panose="020B0504020202020204" pitchFamily="34" charset="0"/>
+            </a:endParaRPr>
+          </a:p>
+          <a:p>
+            <a:pPr marL="0" indent="0">
+              <a:buNone/>
+            </a:pPr>
             <a:r>
               <a:rPr lang="en-GB" dirty="0">
                 <a:latin typeface="Avenir Next LT Pro" panose="020B0504020202020204" pitchFamily="34" charset="0"/>
               </a:rPr>
-              <a:t>How to allow customisation from outside? </a:t>
-            </a:r>
-            <a:r>
-              <a:rPr lang="en-GB">
-                <a:latin typeface="Avenir Next LT Pro" panose="020B0504020202020204" pitchFamily="34" charset="0"/>
-              </a:rPr>
-              <a:t>CSS Variables and ::part. </a:t>
-            </a:r>
-            <a:r>
-              <a:rPr lang="en-GB" dirty="0">
-                <a:latin typeface="Avenir Next LT Pro" panose="020B0504020202020204" pitchFamily="34" charset="0"/>
-              </a:rPr>
-              <a:t>Remember too that Light CSS trumps Component CSS.</a:t>
-            </a:r>
+              <a:t>How to allow customisation from outside? CSS Variables and ::part. </a:t>
+            </a:r>
+          </a:p>
+          <a:p>
+            <a:pPr marL="0" indent="0">
+              <a:buNone/>
+            </a:pPr>
+            <a:endParaRPr lang="en-GB" b="0" dirty="0">
+              <a:effectLst/>
+              <a:latin typeface="Avenir Next LT Pro" panose="020B0504020202020204" pitchFamily="34" charset="0"/>
+            </a:endParaRPr>
           </a:p>
           <a:p>
             <a:pPr marL="0" indent="0">
@@ -3458,30 +3465,19 @@
               <a:rPr lang="en-GB" dirty="0">
                 <a:latin typeface="Avenir Next LT Pro" panose="020B0504020202020204" pitchFamily="34" charset="0"/>
               </a:rPr>
-              <a:t>to use enterprise wide styling? JS import as &lt;link&gt; an anti-pattern due to FOUC.</a:t>
-            </a:r>
-          </a:p>
-          <a:p>
-            <a:pPr marL="0" indent="0">
+              <a:t>to use enterprise wide styling? </a:t>
+            </a:r>
+          </a:p>
+          <a:p>
+            <a:pPr marL="457200" lvl="1" indent="0">
               <a:buNone/>
             </a:pPr>
-            <a:r>
-              <a:rPr lang="en-GB" b="0" dirty="0">
-                <a:effectLst/>
-                <a:latin typeface="Avenir Next LT Pro" panose="020B0504020202020204" pitchFamily="34" charset="0"/>
-              </a:rPr>
-              <a:t>How to style component based on props in Light DO</a:t>
-            </a:r>
             <a:r>
               <a:rPr lang="en-GB" dirty="0">
                 <a:latin typeface="Avenir Next LT Pro" panose="020B0504020202020204" pitchFamily="34" charset="0"/>
               </a:rPr>
-              <a:t>M and context where component is? :host and :host context. SLOT styling possible too…</a:t>
-            </a:r>
-            <a:endParaRPr lang="en-GB" b="0" dirty="0">
-              <a:effectLst/>
-              <a:latin typeface="Avenir Next LT Pro" panose="020B0504020202020204" pitchFamily="34" charset="0"/>
-            </a:endParaRPr>
+              <a:t>JS import as &lt;link&gt; an anti-pattern due to FOUC.</a:t>
+            </a:r>
           </a:p>
           <a:p>
             <a:endParaRPr lang="en-GB" dirty="0"/>
@@ -3550,6 +3546,171 @@
               </a:rPr>
               <a:t>Web Components and CSS</a:t>
             </a:r>
+          </a:p>
+        </p:txBody>
+      </p:sp>
+      <p:sp>
+        <p:nvSpPr>
+          <p:cNvPr id="17" name="Content Placeholder 16">
+            <a:extLst>
+              <a:ext uri="{FF2B5EF4-FFF2-40B4-BE49-F238E27FC236}">
+                <a16:creationId xmlns:a16="http://schemas.microsoft.com/office/drawing/2014/main" id="{95B032E1-6360-4962-AD7F-CAE1C1DD4AC6}"/>
+              </a:ext>
+            </a:extLst>
+          </p:cNvPr>
+          <p:cNvSpPr>
+            <a:spLocks noGrp="1"/>
+          </p:cNvSpPr>
+          <p:nvPr>
+            <p:ph idx="1"/>
+          </p:nvPr>
+        </p:nvSpPr>
+        <p:spPr>
+          <a:xfrm>
+            <a:off x="916577" y="1481092"/>
+            <a:ext cx="10515600" cy="4351338"/>
+          </a:xfrm>
+        </p:spPr>
+        <p:txBody>
+          <a:bodyPr/>
+          <a:lstStyle/>
+          <a:p>
+            <a:pPr marL="0" indent="0">
+              <a:buNone/>
+            </a:pPr>
+            <a:r>
+              <a:rPr lang="en-GB" b="0" dirty="0">
+                <a:effectLst/>
+                <a:latin typeface="Avenir Next LT Pro" panose="020B0504020202020204" pitchFamily="34" charset="0"/>
+              </a:rPr>
+              <a:t>How to style component based on props in Light DO</a:t>
+            </a:r>
+            <a:r>
+              <a:rPr lang="en-GB" dirty="0">
+                <a:latin typeface="Avenir Next LT Pro" panose="020B0504020202020204" pitchFamily="34" charset="0"/>
+              </a:rPr>
+              <a:t>M and context where component is? </a:t>
+            </a:r>
+          </a:p>
+          <a:p>
+            <a:pPr marL="0" indent="0">
+              <a:buNone/>
+            </a:pPr>
+            <a:r>
+              <a:rPr lang="en-GB" dirty="0">
+                <a:latin typeface="Avenir Next LT Pro" panose="020B0504020202020204" pitchFamily="34" charset="0"/>
+              </a:rPr>
+              <a:t>:host() and :host(context) enable a component to see what CSS props it has in its tag in the Light DOM. </a:t>
+            </a:r>
+          </a:p>
+          <a:p>
+            <a:pPr marL="0" indent="0">
+              <a:buNone/>
+            </a:pPr>
+            <a:r>
+              <a:rPr lang="en-GB" dirty="0">
+                <a:latin typeface="Avenir Next LT Pro" panose="020B0504020202020204" pitchFamily="34" charset="0"/>
+              </a:rPr>
+              <a:t>::slotted() and slot[name=first] can be used to detect props at page level.</a:t>
+            </a:r>
+          </a:p>
+          <a:p>
+            <a:pPr marL="0" indent="0">
+              <a:buNone/>
+            </a:pPr>
+            <a:endParaRPr lang="en-GB" b="0" dirty="0">
+              <a:effectLst/>
+              <a:latin typeface="Avenir Next LT Pro" panose="020B0504020202020204" pitchFamily="34" charset="0"/>
+            </a:endParaRPr>
+          </a:p>
+          <a:p>
+            <a:pPr marL="0" indent="0">
+              <a:buNone/>
+            </a:pPr>
+            <a:r>
+              <a:rPr lang="en-GB" dirty="0">
+                <a:latin typeface="Avenir Next LT Pro" panose="020B0504020202020204" pitchFamily="34" charset="0"/>
+              </a:rPr>
+              <a:t>Diagram on next </a:t>
+            </a:r>
+            <a:r>
+              <a:rPr lang="en-GB">
+                <a:latin typeface="Avenir Next LT Pro" panose="020B0504020202020204" pitchFamily="34" charset="0"/>
+              </a:rPr>
+              <a:t>slide will help…</a:t>
+            </a:r>
+            <a:endParaRPr lang="en-GB" b="0" dirty="0">
+              <a:effectLst/>
+              <a:latin typeface="Avenir Next LT Pro" panose="020B0504020202020204" pitchFamily="34" charset="0"/>
+            </a:endParaRPr>
+          </a:p>
+          <a:p>
+            <a:endParaRPr lang="en-GB" dirty="0"/>
+          </a:p>
+        </p:txBody>
+      </p:sp>
+    </p:spTree>
+    <p:extLst>
+      <p:ext uri="{BB962C8B-B14F-4D97-AF65-F5344CB8AC3E}">
+        <p14:creationId xmlns:p14="http://schemas.microsoft.com/office/powerpoint/2010/main" val="1257531770"/>
+      </p:ext>
+    </p:extLst>
+  </p:cSld>
+  <p:clrMapOvr>
+    <a:masterClrMapping/>
+  </p:clrMapOvr>
+</p:sld>
+</file>
+
+<file path=ppt/slides/slide3.xml><?xml version="1.0" encoding="utf-8"?>
+<p:sld xmlns:a="http://schemas.openxmlformats.org/drawingml/2006/main" xmlns:r="http://schemas.openxmlformats.org/officeDocument/2006/relationships" xmlns:p="http://schemas.openxmlformats.org/presentationml/2006/main">
+  <p:cSld>
+    <p:spTree>
+      <p:nvGrpSpPr>
+        <p:cNvPr id="1" name=""/>
+        <p:cNvGrpSpPr/>
+        <p:nvPr/>
+      </p:nvGrpSpPr>
+      <p:grpSpPr>
+        <a:xfrm>
+          <a:off x="0" y="0"/>
+          <a:ext cx="0" cy="0"/>
+          <a:chOff x="0" y="0"/>
+          <a:chExt cx="0" cy="0"/>
+        </a:xfrm>
+      </p:grpSpPr>
+      <p:sp>
+        <p:nvSpPr>
+          <p:cNvPr id="2" name="Title 1">
+            <a:extLst>
+              <a:ext uri="{FF2B5EF4-FFF2-40B4-BE49-F238E27FC236}">
+                <a16:creationId xmlns:a16="http://schemas.microsoft.com/office/drawing/2014/main" id="{3A51D54B-786F-4FBA-A65C-349B226305AF}"/>
+              </a:ext>
+            </a:extLst>
+          </p:cNvPr>
+          <p:cNvSpPr>
+            <a:spLocks noGrp="1"/>
+          </p:cNvSpPr>
+          <p:nvPr>
+            <p:ph type="title"/>
+          </p:nvPr>
+        </p:nvSpPr>
+        <p:spPr>
+          <a:xfrm>
+            <a:off x="838200" y="0"/>
+            <a:ext cx="10515600" cy="1325563"/>
+          </a:xfrm>
+        </p:spPr>
+        <p:txBody>
+          <a:bodyPr/>
+          <a:lstStyle/>
+          <a:p>
+            <a:r>
+              <a:rPr lang="en-GB" dirty="0">
+                <a:latin typeface="Avenir Next LT Pro" panose="020B0504020202020204" pitchFamily="34" charset="0"/>
+              </a:rPr>
+              <a:t>Web Components and CSS</a:t>
+            </a:r>
             <a:endParaRPr lang="en-GB" dirty="0"/>
           </a:p>
         </p:txBody>
@@ -3623,11 +3784,46 @@
         </p:blipFill>
         <p:spPr>
           <a:xfrm>
-            <a:off x="1179643" y="1144588"/>
+            <a:off x="1205769" y="1144587"/>
             <a:ext cx="9459892" cy="5075237"/>
           </a:xfrm>
         </p:spPr>
       </p:pic>
+      <p:sp>
+        <p:nvSpPr>
+          <p:cNvPr id="3" name="TextBox 2">
+            <a:extLst>
+              <a:ext uri="{FF2B5EF4-FFF2-40B4-BE49-F238E27FC236}">
+                <a16:creationId xmlns:a16="http://schemas.microsoft.com/office/drawing/2014/main" id="{45A0F590-CABE-471D-AD3D-4B09D24BD972}"/>
+              </a:ext>
+            </a:extLst>
+          </p:cNvPr>
+          <p:cNvSpPr txBox="1"/>
+          <p:nvPr/>
+        </p:nvSpPr>
+        <p:spPr>
+          <a:xfrm>
+            <a:off x="1358538" y="3039291"/>
+            <a:ext cx="3048000" cy="923330"/>
+          </a:xfrm>
+          <a:prstGeom prst="rect">
+            <a:avLst/>
+          </a:prstGeom>
+          <a:noFill/>
+        </p:spPr>
+        <p:txBody>
+          <a:bodyPr wrap="square" rtlCol="0">
+            <a:spAutoFit/>
+          </a:bodyPr>
+          <a:lstStyle/>
+          <a:p>
+            <a:r>
+              <a:rPr lang="en-GB" dirty="0"/>
+              <a:t>There is also ::part from Light CSS to part=first in component HTML.</a:t>
+            </a:r>
+          </a:p>
+        </p:txBody>
+      </p:sp>
     </p:spTree>
     <p:extLst>
       <p:ext uri="{BB962C8B-B14F-4D97-AF65-F5344CB8AC3E}">

--- a/SLIDES/04-css.pptx
+++ b/SLIDES/04-css.pptx
@@ -263,7 +263,7 @@
           <a:p>
             <a:fld id="{8574AD51-66E8-41A2-B234-7784E7DEEE75}" type="datetimeFigureOut">
               <a:rPr lang="en-GB" smtClean="0"/>
-              <a:t>09/06/2021</a:t>
+              <a:t>14/06/2021</a:t>
             </a:fld>
             <a:endParaRPr lang="en-GB"/>
           </a:p>
@@ -463,7 +463,7 @@
           <a:p>
             <a:fld id="{8574AD51-66E8-41A2-B234-7784E7DEEE75}" type="datetimeFigureOut">
               <a:rPr lang="en-GB" smtClean="0"/>
-              <a:t>09/06/2021</a:t>
+              <a:t>14/06/2021</a:t>
             </a:fld>
             <a:endParaRPr lang="en-GB"/>
           </a:p>
@@ -673,7 +673,7 @@
           <a:p>
             <a:fld id="{8574AD51-66E8-41A2-B234-7784E7DEEE75}" type="datetimeFigureOut">
               <a:rPr lang="en-GB" smtClean="0"/>
-              <a:t>09/06/2021</a:t>
+              <a:t>14/06/2021</a:t>
             </a:fld>
             <a:endParaRPr lang="en-GB"/>
           </a:p>
@@ -873,7 +873,7 @@
           <a:p>
             <a:fld id="{8574AD51-66E8-41A2-B234-7784E7DEEE75}" type="datetimeFigureOut">
               <a:rPr lang="en-GB" smtClean="0"/>
-              <a:t>09/06/2021</a:t>
+              <a:t>14/06/2021</a:t>
             </a:fld>
             <a:endParaRPr lang="en-GB"/>
           </a:p>
@@ -1149,7 +1149,7 @@
           <a:p>
             <a:fld id="{8574AD51-66E8-41A2-B234-7784E7DEEE75}" type="datetimeFigureOut">
               <a:rPr lang="en-GB" smtClean="0"/>
-              <a:t>09/06/2021</a:t>
+              <a:t>14/06/2021</a:t>
             </a:fld>
             <a:endParaRPr lang="en-GB"/>
           </a:p>
@@ -1417,7 +1417,7 @@
           <a:p>
             <a:fld id="{8574AD51-66E8-41A2-B234-7784E7DEEE75}" type="datetimeFigureOut">
               <a:rPr lang="en-GB" smtClean="0"/>
-              <a:t>09/06/2021</a:t>
+              <a:t>14/06/2021</a:t>
             </a:fld>
             <a:endParaRPr lang="en-GB"/>
           </a:p>
@@ -1832,7 +1832,7 @@
           <a:p>
             <a:fld id="{8574AD51-66E8-41A2-B234-7784E7DEEE75}" type="datetimeFigureOut">
               <a:rPr lang="en-GB" smtClean="0"/>
-              <a:t>09/06/2021</a:t>
+              <a:t>14/06/2021</a:t>
             </a:fld>
             <a:endParaRPr lang="en-GB"/>
           </a:p>
@@ -1974,7 +1974,7 @@
           <a:p>
             <a:fld id="{8574AD51-66E8-41A2-B234-7784E7DEEE75}" type="datetimeFigureOut">
               <a:rPr lang="en-GB" smtClean="0"/>
-              <a:t>09/06/2021</a:t>
+              <a:t>14/06/2021</a:t>
             </a:fld>
             <a:endParaRPr lang="en-GB"/>
           </a:p>
@@ -2087,7 +2087,7 @@
           <a:p>
             <a:fld id="{8574AD51-66E8-41A2-B234-7784E7DEEE75}" type="datetimeFigureOut">
               <a:rPr lang="en-GB" smtClean="0"/>
-              <a:t>09/06/2021</a:t>
+              <a:t>14/06/2021</a:t>
             </a:fld>
             <a:endParaRPr lang="en-GB"/>
           </a:p>
@@ -2400,7 +2400,7 @@
           <a:p>
             <a:fld id="{8574AD51-66E8-41A2-B234-7784E7DEEE75}" type="datetimeFigureOut">
               <a:rPr lang="en-GB" smtClean="0"/>
-              <a:t>09/06/2021</a:t>
+              <a:t>14/06/2021</a:t>
             </a:fld>
             <a:endParaRPr lang="en-GB"/>
           </a:p>
@@ -2689,7 +2689,7 @@
           <a:p>
             <a:fld id="{8574AD51-66E8-41A2-B234-7784E7DEEE75}" type="datetimeFigureOut">
               <a:rPr lang="en-GB" smtClean="0"/>
-              <a:t>09/06/2021</a:t>
+              <a:t>14/06/2021</a:t>
             </a:fld>
             <a:endParaRPr lang="en-GB"/>
           </a:p>
@@ -2932,7 +2932,7 @@
           <a:p>
             <a:fld id="{8574AD51-66E8-41A2-B234-7784E7DEEE75}" type="datetimeFigureOut">
               <a:rPr lang="en-GB" smtClean="0"/>
-              <a:t>09/06/2021</a:t>
+              <a:t>14/06/2021</a:t>
             </a:fld>
             <a:endParaRPr lang="en-GB"/>
           </a:p>
@@ -3418,17 +3418,40 @@
                 <a:effectLst/>
                 <a:latin typeface="Avenir Next LT Pro" panose="020B0504020202020204" pitchFamily="34" charset="0"/>
               </a:rPr>
-              <a:t>How to style inside component? &lt;style&gt;&lt;/style&gt;</a:t>
+              <a:t>CSS can be tricky with </a:t>
+            </a:r>
+            <a:r>
+              <a:rPr lang="en-GB" dirty="0">
+                <a:latin typeface="Avenir Next LT Pro" panose="020B0504020202020204" pitchFamily="34" charset="0"/>
+              </a:rPr>
+              <a:t>all its rules. We will have many focussed templates to see the </a:t>
+            </a:r>
+            <a:r>
+              <a:rPr lang="en-GB">
+                <a:latin typeface="Avenir Next LT Pro" panose="020B0504020202020204" pitchFamily="34" charset="0"/>
+              </a:rPr>
+              <a:t>rules.</a:t>
             </a:r>
           </a:p>
           <a:p>
             <a:pPr marL="0" indent="0">
               <a:buNone/>
             </a:pPr>
-            <a:endParaRPr lang="en-GB" b="0" dirty="0">
-              <a:effectLst/>
+            <a:endParaRPr lang="en-GB" dirty="0">
               <a:latin typeface="Avenir Next LT Pro" panose="020B0504020202020204" pitchFamily="34" charset="0"/>
             </a:endParaRPr>
+          </a:p>
+          <a:p>
+            <a:pPr marL="0" indent="0">
+              <a:buNone/>
+            </a:pPr>
+            <a:r>
+              <a:rPr lang="en-GB" b="0" dirty="0">
+                <a:effectLst/>
+                <a:latin typeface="Avenir Next LT Pro" panose="020B0504020202020204" pitchFamily="34" charset="0"/>
+              </a:rPr>
+              <a:t>How to style inside component? &lt;style&gt;&lt;/style&gt;</a:t>
+            </a:r>
           </a:p>
           <a:p>
             <a:pPr marL="0" indent="0">
@@ -3440,11 +3463,6 @@
               </a:rPr>
               <a:t>How to allow customisation from outside? CSS Variables and ::part. </a:t>
             </a:r>
-          </a:p>
-          <a:p>
-            <a:pPr marL="0" indent="0">
-              <a:buNone/>
-            </a:pPr>
             <a:endParaRPr lang="en-GB" b="0" dirty="0">
               <a:effectLst/>
               <a:latin typeface="Avenir Next LT Pro" panose="020B0504020202020204" pitchFamily="34" charset="0"/>
@@ -3477,6 +3495,17 @@
                 <a:latin typeface="Avenir Next LT Pro" panose="020B0504020202020204" pitchFamily="34" charset="0"/>
               </a:rPr>
               <a:t>JS import as &lt;link&gt; an anti-pattern due to FOUC.</a:t>
+            </a:r>
+          </a:p>
+          <a:p>
+            <a:pPr marL="457200" lvl="1" indent="0">
+              <a:buNone/>
+            </a:pPr>
+            <a:r>
+              <a:rPr lang="en-GB" dirty="0">
+                <a:latin typeface="Avenir Next LT Pro" panose="020B0504020202020204" pitchFamily="34" charset="0"/>
+              </a:rPr>
+              <a:t>We can use CSS imported in via a js file.</a:t>
             </a:r>
           </a:p>
           <a:p>
@@ -3631,13 +3660,7 @@
               <a:rPr lang="en-GB" dirty="0">
                 <a:latin typeface="Avenir Next LT Pro" panose="020B0504020202020204" pitchFamily="34" charset="0"/>
               </a:rPr>
-              <a:t>Diagram on next </a:t>
-            </a:r>
-            <a:r>
-              <a:rPr lang="en-GB">
-                <a:latin typeface="Avenir Next LT Pro" panose="020B0504020202020204" pitchFamily="34" charset="0"/>
-              </a:rPr>
-              <a:t>slide will help…</a:t>
+              <a:t>Diagram on next slide will help…</a:t>
             </a:r>
             <a:endParaRPr lang="en-GB" b="0" dirty="0">
               <a:effectLst/>

--- a/SLIDES/04-css.pptx
+++ b/SLIDES/04-css.pptx
@@ -6,8 +6,9 @@
   </p:sldMasterIdLst>
   <p:sldIdLst>
     <p:sldId id="259" r:id="rId2"/>
-    <p:sldId id="263" r:id="rId3"/>
-    <p:sldId id="262" r:id="rId4"/>
+    <p:sldId id="264" r:id="rId3"/>
+    <p:sldId id="263" r:id="rId4"/>
+    <p:sldId id="262" r:id="rId5"/>
   </p:sldIdLst>
   <p:sldSz cx="12192000" cy="6858000"/>
   <p:notesSz cx="6858000" cy="9144000"/>
@@ -263,7 +264,7 @@
           <a:p>
             <a:fld id="{8574AD51-66E8-41A2-B234-7784E7DEEE75}" type="datetimeFigureOut">
               <a:rPr lang="en-GB" smtClean="0"/>
-              <a:t>14/06/2021</a:t>
+              <a:t>16/06/2021</a:t>
             </a:fld>
             <a:endParaRPr lang="en-GB"/>
           </a:p>
@@ -463,7 +464,7 @@
           <a:p>
             <a:fld id="{8574AD51-66E8-41A2-B234-7784E7DEEE75}" type="datetimeFigureOut">
               <a:rPr lang="en-GB" smtClean="0"/>
-              <a:t>14/06/2021</a:t>
+              <a:t>16/06/2021</a:t>
             </a:fld>
             <a:endParaRPr lang="en-GB"/>
           </a:p>
@@ -673,7 +674,7 @@
           <a:p>
             <a:fld id="{8574AD51-66E8-41A2-B234-7784E7DEEE75}" type="datetimeFigureOut">
               <a:rPr lang="en-GB" smtClean="0"/>
-              <a:t>14/06/2021</a:t>
+              <a:t>16/06/2021</a:t>
             </a:fld>
             <a:endParaRPr lang="en-GB"/>
           </a:p>
@@ -873,7 +874,7 @@
           <a:p>
             <a:fld id="{8574AD51-66E8-41A2-B234-7784E7DEEE75}" type="datetimeFigureOut">
               <a:rPr lang="en-GB" smtClean="0"/>
-              <a:t>14/06/2021</a:t>
+              <a:t>16/06/2021</a:t>
             </a:fld>
             <a:endParaRPr lang="en-GB"/>
           </a:p>
@@ -1149,7 +1150,7 @@
           <a:p>
             <a:fld id="{8574AD51-66E8-41A2-B234-7784E7DEEE75}" type="datetimeFigureOut">
               <a:rPr lang="en-GB" smtClean="0"/>
-              <a:t>14/06/2021</a:t>
+              <a:t>16/06/2021</a:t>
             </a:fld>
             <a:endParaRPr lang="en-GB"/>
           </a:p>
@@ -1417,7 +1418,7 @@
           <a:p>
             <a:fld id="{8574AD51-66E8-41A2-B234-7784E7DEEE75}" type="datetimeFigureOut">
               <a:rPr lang="en-GB" smtClean="0"/>
-              <a:t>14/06/2021</a:t>
+              <a:t>16/06/2021</a:t>
             </a:fld>
             <a:endParaRPr lang="en-GB"/>
           </a:p>
@@ -1832,7 +1833,7 @@
           <a:p>
             <a:fld id="{8574AD51-66E8-41A2-B234-7784E7DEEE75}" type="datetimeFigureOut">
               <a:rPr lang="en-GB" smtClean="0"/>
-              <a:t>14/06/2021</a:t>
+              <a:t>16/06/2021</a:t>
             </a:fld>
             <a:endParaRPr lang="en-GB"/>
           </a:p>
@@ -1974,7 +1975,7 @@
           <a:p>
             <a:fld id="{8574AD51-66E8-41A2-B234-7784E7DEEE75}" type="datetimeFigureOut">
               <a:rPr lang="en-GB" smtClean="0"/>
-              <a:t>14/06/2021</a:t>
+              <a:t>16/06/2021</a:t>
             </a:fld>
             <a:endParaRPr lang="en-GB"/>
           </a:p>
@@ -2087,7 +2088,7 @@
           <a:p>
             <a:fld id="{8574AD51-66E8-41A2-B234-7784E7DEEE75}" type="datetimeFigureOut">
               <a:rPr lang="en-GB" smtClean="0"/>
-              <a:t>14/06/2021</a:t>
+              <a:t>16/06/2021</a:t>
             </a:fld>
             <a:endParaRPr lang="en-GB"/>
           </a:p>
@@ -2400,7 +2401,7 @@
           <a:p>
             <a:fld id="{8574AD51-66E8-41A2-B234-7784E7DEEE75}" type="datetimeFigureOut">
               <a:rPr lang="en-GB" smtClean="0"/>
-              <a:t>14/06/2021</a:t>
+              <a:t>16/06/2021</a:t>
             </a:fld>
             <a:endParaRPr lang="en-GB"/>
           </a:p>
@@ -2689,7 +2690,7 @@
           <a:p>
             <a:fld id="{8574AD51-66E8-41A2-B234-7784E7DEEE75}" type="datetimeFigureOut">
               <a:rPr lang="en-GB" smtClean="0"/>
-              <a:t>14/06/2021</a:t>
+              <a:t>16/06/2021</a:t>
             </a:fld>
             <a:endParaRPr lang="en-GB"/>
           </a:p>
@@ -2932,7 +2933,7 @@
           <a:p>
             <a:fld id="{8574AD51-66E8-41A2-B234-7784E7DEEE75}" type="datetimeFigureOut">
               <a:rPr lang="en-GB" smtClean="0"/>
-              <a:t>14/06/2021</a:t>
+              <a:t>16/06/2021</a:t>
             </a:fld>
             <a:endParaRPr lang="en-GB"/>
           </a:p>
@@ -3424,33 +3425,7 @@
               <a:rPr lang="en-GB" dirty="0">
                 <a:latin typeface="Avenir Next LT Pro" panose="020B0504020202020204" pitchFamily="34" charset="0"/>
               </a:rPr>
-              <a:t>all its rules. We will have many focussed templates to see the </a:t>
-            </a:r>
-            <a:r>
-              <a:rPr lang="en-GB">
-                <a:latin typeface="Avenir Next LT Pro" panose="020B0504020202020204" pitchFamily="34" charset="0"/>
-              </a:rPr>
-              <a:t>rules.</a:t>
-            </a:r>
-          </a:p>
-          <a:p>
-            <a:pPr marL="0" indent="0">
-              <a:buNone/>
-            </a:pPr>
-            <a:endParaRPr lang="en-GB" dirty="0">
-              <a:latin typeface="Avenir Next LT Pro" panose="020B0504020202020204" pitchFamily="34" charset="0"/>
-            </a:endParaRPr>
-          </a:p>
-          <a:p>
-            <a:pPr marL="0" indent="0">
-              <a:buNone/>
-            </a:pPr>
-            <a:r>
-              <a:rPr lang="en-GB" b="0" dirty="0">
-                <a:effectLst/>
-                <a:latin typeface="Avenir Next LT Pro" panose="020B0504020202020204" pitchFamily="34" charset="0"/>
-              </a:rPr>
-              <a:t>How to style inside component? &lt;style&gt;&lt;/style&gt;</a:t>
+              <a:t>all its rules. We will have many focussed templates to see the rules.</a:t>
             </a:r>
           </a:p>
           <a:p>
@@ -3461,55 +3436,32 @@
               <a:rPr lang="en-GB" dirty="0">
                 <a:latin typeface="Avenir Next LT Pro" panose="020B0504020202020204" pitchFamily="34" charset="0"/>
               </a:rPr>
-              <a:t>How to allow customisation from outside? CSS Variables and ::part. </a:t>
-            </a:r>
-            <a:endParaRPr lang="en-GB" b="0" dirty="0">
-              <a:effectLst/>
-              <a:latin typeface="Avenir Next LT Pro" panose="020B0504020202020204" pitchFamily="34" charset="0"/>
-            </a:endParaRPr>
-          </a:p>
-          <a:p>
-            <a:pPr marL="0" indent="0">
-              <a:buNone/>
-            </a:pPr>
-            <a:r>
-              <a:rPr lang="en-GB" b="0" dirty="0">
-                <a:effectLst/>
-                <a:latin typeface="Avenir Next LT Pro" panose="020B0504020202020204" pitchFamily="34" charset="0"/>
-              </a:rPr>
-              <a:t>How </a:t>
-            </a:r>
+              <a:t>Rule of thumb: </a:t>
+            </a:r>
+          </a:p>
+          <a:p>
             <a:r>
               <a:rPr lang="en-GB" dirty="0">
                 <a:latin typeface="Avenir Next LT Pro" panose="020B0504020202020204" pitchFamily="34" charset="0"/>
               </a:rPr>
-              <a:t>to use enterprise wide styling? </a:t>
-            </a:r>
-          </a:p>
-          <a:p>
-            <a:pPr marL="457200" lvl="1" indent="0">
-              <a:buNone/>
-            </a:pPr>
+              <a:t>The Shadow DOM gets flattened and is part of the overall DOM so general CSS inheritance applies.</a:t>
+            </a:r>
+          </a:p>
+          <a:p>
             <a:r>
               <a:rPr lang="en-GB" dirty="0">
                 <a:latin typeface="Avenir Next LT Pro" panose="020B0504020202020204" pitchFamily="34" charset="0"/>
               </a:rPr>
-              <a:t>JS import as &lt;link&gt; an anti-pattern due to FOUC.</a:t>
-            </a:r>
-          </a:p>
-          <a:p>
-            <a:pPr marL="457200" lvl="1" indent="0">
-              <a:buNone/>
-            </a:pPr>
+              <a:t>Page CSS can target overall selector &lt;my-component&gt; but not inside (except new ::part)</a:t>
+            </a:r>
+          </a:p>
+          <a:p>
             <a:r>
               <a:rPr lang="en-GB" dirty="0">
                 <a:latin typeface="Avenir Next LT Pro" panose="020B0504020202020204" pitchFamily="34" charset="0"/>
               </a:rPr>
-              <a:t>We can use CSS imported in via a js file.</a:t>
-            </a:r>
-          </a:p>
-          <a:p>
-            <a:endParaRPr lang="en-GB" dirty="0"/>
+              <a:t>CSS in component have higher priority in accordance with CSS inheritance rules.</a:t>
+            </a:r>
           </a:p>
         </p:txBody>
       </p:sp>
@@ -3607,63 +3559,100 @@
             <a:pPr marL="0" indent="0">
               <a:buNone/>
             </a:pPr>
+            <a:endParaRPr lang="en-GB" dirty="0">
+              <a:latin typeface="Avenir Next LT Pro" panose="020B0504020202020204" pitchFamily="34" charset="0"/>
+            </a:endParaRPr>
+          </a:p>
+          <a:p>
+            <a:pPr marL="514350" indent="-514350">
+              <a:buFont typeface="+mj-lt"/>
+              <a:buAutoNum type="arabicPeriod"/>
+            </a:pPr>
             <a:r>
               <a:rPr lang="en-GB" b="0" dirty="0">
                 <a:effectLst/>
                 <a:latin typeface="Avenir Next LT Pro" panose="020B0504020202020204" pitchFamily="34" charset="0"/>
               </a:rPr>
-              <a:t>How to style component based on props in Light DO</a:t>
-            </a:r>
+              <a:t>How to style inside component? &lt;style&gt;&lt;/style&gt;</a:t>
+            </a:r>
+          </a:p>
+          <a:p>
+            <a:pPr marL="514350" indent="-514350">
+              <a:buFont typeface="+mj-lt"/>
+              <a:buAutoNum type="arabicPeriod"/>
+            </a:pPr>
             <a:r>
               <a:rPr lang="en-GB" dirty="0">
                 <a:latin typeface="Avenir Next LT Pro" panose="020B0504020202020204" pitchFamily="34" charset="0"/>
               </a:rPr>
-              <a:t>M and context where component is? </a:t>
-            </a:r>
-          </a:p>
-          <a:p>
-            <a:pPr marL="0" indent="0">
-              <a:buNone/>
+              <a:t>How to allow customisation from outside? CSS Variables and ::part. </a:t>
+            </a:r>
+          </a:p>
+          <a:p>
+            <a:pPr marL="514350" indent="-514350">
+              <a:buFont typeface="+mj-lt"/>
+              <a:buAutoNum type="arabicPeriod"/>
             </a:pPr>
+            <a:r>
+              <a:rPr lang="en-GB" b="0" dirty="0">
+                <a:effectLst/>
+                <a:latin typeface="Avenir Next LT Pro" panose="020B0504020202020204" pitchFamily="34" charset="0"/>
+              </a:rPr>
+              <a:t>Use :host, ::slotted, </a:t>
+            </a:r>
             <a:r>
               <a:rPr lang="en-GB" dirty="0">
                 <a:latin typeface="Avenir Next LT Pro" panose="020B0504020202020204" pitchFamily="34" charset="0"/>
               </a:rPr>
-              <a:t>:host() and :host(context) enable a component to see what CSS props it has in its tag in the Light DOM. </a:t>
-            </a:r>
-          </a:p>
-          <a:p>
-            <a:pPr marL="0" indent="0">
-              <a:buNone/>
-            </a:pPr>
-            <a:r>
-              <a:rPr lang="en-GB" dirty="0">
-                <a:latin typeface="Avenir Next LT Pro" panose="020B0504020202020204" pitchFamily="34" charset="0"/>
-              </a:rPr>
-              <a:t>::slotted() and slot[name=first] can be used to detect props at page level.</a:t>
-            </a:r>
-          </a:p>
-          <a:p>
-            <a:pPr marL="0" indent="0">
-              <a:buNone/>
-            </a:pPr>
+              <a:t>slot for specific uses (next slide).</a:t>
+            </a:r>
             <a:endParaRPr lang="en-GB" b="0" dirty="0">
               <a:effectLst/>
               <a:latin typeface="Avenir Next LT Pro" panose="020B0504020202020204" pitchFamily="34" charset="0"/>
             </a:endParaRPr>
           </a:p>
           <a:p>
-            <a:pPr marL="0" indent="0">
-              <a:buNone/>
+            <a:pPr marL="514350" indent="-514350">
+              <a:buFont typeface="+mj-lt"/>
+              <a:buAutoNum type="arabicPeriod"/>
             </a:pPr>
+            <a:r>
+              <a:rPr lang="en-GB" b="0" dirty="0">
+                <a:effectLst/>
+                <a:latin typeface="Avenir Next LT Pro" panose="020B0504020202020204" pitchFamily="34" charset="0"/>
+              </a:rPr>
+              <a:t>How </a:t>
+            </a:r>
             <a:r>
               <a:rPr lang="en-GB" dirty="0">
                 <a:latin typeface="Avenir Next LT Pro" panose="020B0504020202020204" pitchFamily="34" charset="0"/>
               </a:rPr>
-              <a:t>Diagram on next slide will help…</a:t>
-            </a:r>
-            <a:endParaRPr lang="en-GB" b="0" dirty="0">
-              <a:effectLst/>
+              <a:t>to use enterprise wide styling? </a:t>
+            </a:r>
+          </a:p>
+          <a:p>
+            <a:pPr lvl="1"/>
+            <a:r>
+              <a:rPr lang="en-GB" dirty="0">
+                <a:latin typeface="Avenir Next LT Pro" panose="020B0504020202020204" pitchFamily="34" charset="0"/>
+              </a:rPr>
+              <a:t>JS import as &lt;link&gt; an anti-pattern due to FOUC.</a:t>
+            </a:r>
+          </a:p>
+          <a:p>
+            <a:pPr lvl="1"/>
+            <a:r>
+              <a:rPr lang="en-GB" dirty="0">
+                <a:latin typeface="Avenir Next LT Pro" panose="020B0504020202020204" pitchFamily="34" charset="0"/>
+              </a:rPr>
+              <a:t>We can use CSS imported in via a js file.</a:t>
+            </a:r>
+          </a:p>
+          <a:p>
+            <a:pPr marL="457200" lvl="1" indent="0">
+              <a:buNone/>
+            </a:pPr>
+            <a:endParaRPr lang="en-GB" dirty="0">
               <a:latin typeface="Avenir Next LT Pro" panose="020B0504020202020204" pitchFamily="34" charset="0"/>
             </a:endParaRPr>
           </a:p>
@@ -3675,7 +3664,7 @@
     </p:spTree>
     <p:extLst>
       <p:ext uri="{BB962C8B-B14F-4D97-AF65-F5344CB8AC3E}">
-        <p14:creationId xmlns:p14="http://schemas.microsoft.com/office/powerpoint/2010/main" val="1257531770"/>
+        <p14:creationId xmlns:p14="http://schemas.microsoft.com/office/powerpoint/2010/main" val="3599947965"/>
       </p:ext>
     </p:extLst>
   </p:cSld>
@@ -3734,6 +3723,165 @@
               </a:rPr>
               <a:t>Web Components and CSS</a:t>
             </a:r>
+          </a:p>
+        </p:txBody>
+      </p:sp>
+      <p:sp>
+        <p:nvSpPr>
+          <p:cNvPr id="17" name="Content Placeholder 16">
+            <a:extLst>
+              <a:ext uri="{FF2B5EF4-FFF2-40B4-BE49-F238E27FC236}">
+                <a16:creationId xmlns:a16="http://schemas.microsoft.com/office/drawing/2014/main" id="{95B032E1-6360-4962-AD7F-CAE1C1DD4AC6}"/>
+              </a:ext>
+            </a:extLst>
+          </p:cNvPr>
+          <p:cNvSpPr>
+            <a:spLocks noGrp="1"/>
+          </p:cNvSpPr>
+          <p:nvPr>
+            <p:ph idx="1"/>
+          </p:nvPr>
+        </p:nvSpPr>
+        <p:spPr>
+          <a:xfrm>
+            <a:off x="916577" y="1481092"/>
+            <a:ext cx="10515600" cy="4351338"/>
+          </a:xfrm>
+        </p:spPr>
+        <p:txBody>
+          <a:bodyPr/>
+          <a:lstStyle/>
+          <a:p>
+            <a:pPr marL="0" indent="0">
+              <a:buNone/>
+            </a:pPr>
+            <a:r>
+              <a:rPr lang="en-GB" b="0" dirty="0">
+                <a:effectLst/>
+                <a:latin typeface="Avenir Next LT Pro" panose="020B0504020202020204" pitchFamily="34" charset="0"/>
+              </a:rPr>
+              <a:t>How to style component based on props in Light DO</a:t>
+            </a:r>
+            <a:r>
+              <a:rPr lang="en-GB" dirty="0">
+                <a:latin typeface="Avenir Next LT Pro" panose="020B0504020202020204" pitchFamily="34" charset="0"/>
+              </a:rPr>
+              <a:t>M and context where component is? </a:t>
+            </a:r>
+          </a:p>
+          <a:p>
+            <a:pPr marL="0" indent="0">
+              <a:buNone/>
+            </a:pPr>
+            <a:r>
+              <a:rPr lang="en-GB" dirty="0">
+                <a:latin typeface="Avenir Next LT Pro" panose="020B0504020202020204" pitchFamily="34" charset="0"/>
+              </a:rPr>
+              <a:t>:host() and :host(context) enable a component to see what CSS props it has in its tag in the Light DOM. </a:t>
+            </a:r>
+          </a:p>
+          <a:p>
+            <a:pPr marL="0" indent="0">
+              <a:buNone/>
+            </a:pPr>
+            <a:r>
+              <a:rPr lang="en-GB" dirty="0">
+                <a:latin typeface="Avenir Next LT Pro" panose="020B0504020202020204" pitchFamily="34" charset="0"/>
+              </a:rPr>
+              <a:t>::slotted() and slot[name=first] can be used to detect props at page level.</a:t>
+            </a:r>
+          </a:p>
+          <a:p>
+            <a:pPr marL="0" indent="0">
+              <a:buNone/>
+            </a:pPr>
+            <a:endParaRPr lang="en-GB" b="0" dirty="0">
+              <a:effectLst/>
+              <a:latin typeface="Avenir Next LT Pro" panose="020B0504020202020204" pitchFamily="34" charset="0"/>
+            </a:endParaRPr>
+          </a:p>
+          <a:p>
+            <a:pPr marL="0" indent="0">
+              <a:buNone/>
+            </a:pPr>
+            <a:r>
+              <a:rPr lang="en-GB" dirty="0">
+                <a:latin typeface="Avenir Next LT Pro" panose="020B0504020202020204" pitchFamily="34" charset="0"/>
+              </a:rPr>
+              <a:t>Diagram on next slide will help…</a:t>
+            </a:r>
+            <a:endParaRPr lang="en-GB" b="0" dirty="0">
+              <a:effectLst/>
+              <a:latin typeface="Avenir Next LT Pro" panose="020B0504020202020204" pitchFamily="34" charset="0"/>
+            </a:endParaRPr>
+          </a:p>
+          <a:p>
+            <a:endParaRPr lang="en-GB" dirty="0"/>
+          </a:p>
+        </p:txBody>
+      </p:sp>
+    </p:spTree>
+    <p:extLst>
+      <p:ext uri="{BB962C8B-B14F-4D97-AF65-F5344CB8AC3E}">
+        <p14:creationId xmlns:p14="http://schemas.microsoft.com/office/powerpoint/2010/main" val="1257531770"/>
+      </p:ext>
+    </p:extLst>
+  </p:cSld>
+  <p:clrMapOvr>
+    <a:masterClrMapping/>
+  </p:clrMapOvr>
+</p:sld>
+</file>
+
+<file path=ppt/slides/slide4.xml><?xml version="1.0" encoding="utf-8"?>
+<p:sld xmlns:a="http://schemas.openxmlformats.org/drawingml/2006/main" xmlns:r="http://schemas.openxmlformats.org/officeDocument/2006/relationships" xmlns:p="http://schemas.openxmlformats.org/presentationml/2006/main">
+  <p:cSld>
+    <p:spTree>
+      <p:nvGrpSpPr>
+        <p:cNvPr id="1" name=""/>
+        <p:cNvGrpSpPr/>
+        <p:nvPr/>
+      </p:nvGrpSpPr>
+      <p:grpSpPr>
+        <a:xfrm>
+          <a:off x="0" y="0"/>
+          <a:ext cx="0" cy="0"/>
+          <a:chOff x="0" y="0"/>
+          <a:chExt cx="0" cy="0"/>
+        </a:xfrm>
+      </p:grpSpPr>
+      <p:sp>
+        <p:nvSpPr>
+          <p:cNvPr id="2" name="Title 1">
+            <a:extLst>
+              <a:ext uri="{FF2B5EF4-FFF2-40B4-BE49-F238E27FC236}">
+                <a16:creationId xmlns:a16="http://schemas.microsoft.com/office/drawing/2014/main" id="{3A51D54B-786F-4FBA-A65C-349B226305AF}"/>
+              </a:ext>
+            </a:extLst>
+          </p:cNvPr>
+          <p:cNvSpPr>
+            <a:spLocks noGrp="1"/>
+          </p:cNvSpPr>
+          <p:nvPr>
+            <p:ph type="title"/>
+          </p:nvPr>
+        </p:nvSpPr>
+        <p:spPr>
+          <a:xfrm>
+            <a:off x="838200" y="0"/>
+            <a:ext cx="10515600" cy="1325563"/>
+          </a:xfrm>
+        </p:spPr>
+        <p:txBody>
+          <a:bodyPr/>
+          <a:lstStyle/>
+          <a:p>
+            <a:r>
+              <a:rPr lang="en-GB" dirty="0">
+                <a:latin typeface="Avenir Next LT Pro" panose="020B0504020202020204" pitchFamily="34" charset="0"/>
+              </a:rPr>
+              <a:t>Web Components and CSS</a:t>
+            </a:r>
             <a:endParaRPr lang="en-GB" dirty="0"/>
           </a:p>
         </p:txBody>
@@ -3841,7 +3989,11 @@
           <a:lstStyle/>
           <a:p>
             <a:r>
-              <a:rPr lang="en-GB" dirty="0"/>
+              <a:rPr lang="en-GB" dirty="0">
+                <a:solidFill>
+                  <a:srgbClr val="FF0000"/>
+                </a:solidFill>
+              </a:rPr>
               <a:t>There is also ::part from Light CSS to part=first in component HTML.</a:t>
             </a:r>
           </a:p>

--- a/SLIDES/04-css.pptx
+++ b/SLIDES/04-css.pptx
@@ -264,7 +264,7 @@
           <a:p>
             <a:fld id="{8574AD51-66E8-41A2-B234-7784E7DEEE75}" type="datetimeFigureOut">
               <a:rPr lang="en-GB" smtClean="0"/>
-              <a:t>16/06/2021</a:t>
+              <a:t>24/06/2021</a:t>
             </a:fld>
             <a:endParaRPr lang="en-GB"/>
           </a:p>
@@ -464,7 +464,7 @@
           <a:p>
             <a:fld id="{8574AD51-66E8-41A2-B234-7784E7DEEE75}" type="datetimeFigureOut">
               <a:rPr lang="en-GB" smtClean="0"/>
-              <a:t>16/06/2021</a:t>
+              <a:t>24/06/2021</a:t>
             </a:fld>
             <a:endParaRPr lang="en-GB"/>
           </a:p>
@@ -674,7 +674,7 @@
           <a:p>
             <a:fld id="{8574AD51-66E8-41A2-B234-7784E7DEEE75}" type="datetimeFigureOut">
               <a:rPr lang="en-GB" smtClean="0"/>
-              <a:t>16/06/2021</a:t>
+              <a:t>24/06/2021</a:t>
             </a:fld>
             <a:endParaRPr lang="en-GB"/>
           </a:p>
@@ -874,7 +874,7 @@
           <a:p>
             <a:fld id="{8574AD51-66E8-41A2-B234-7784E7DEEE75}" type="datetimeFigureOut">
               <a:rPr lang="en-GB" smtClean="0"/>
-              <a:t>16/06/2021</a:t>
+              <a:t>24/06/2021</a:t>
             </a:fld>
             <a:endParaRPr lang="en-GB"/>
           </a:p>
@@ -1150,7 +1150,7 @@
           <a:p>
             <a:fld id="{8574AD51-66E8-41A2-B234-7784E7DEEE75}" type="datetimeFigureOut">
               <a:rPr lang="en-GB" smtClean="0"/>
-              <a:t>16/06/2021</a:t>
+              <a:t>24/06/2021</a:t>
             </a:fld>
             <a:endParaRPr lang="en-GB"/>
           </a:p>
@@ -1418,7 +1418,7 @@
           <a:p>
             <a:fld id="{8574AD51-66E8-41A2-B234-7784E7DEEE75}" type="datetimeFigureOut">
               <a:rPr lang="en-GB" smtClean="0"/>
-              <a:t>16/06/2021</a:t>
+              <a:t>24/06/2021</a:t>
             </a:fld>
             <a:endParaRPr lang="en-GB"/>
           </a:p>
@@ -1833,7 +1833,7 @@
           <a:p>
             <a:fld id="{8574AD51-66E8-41A2-B234-7784E7DEEE75}" type="datetimeFigureOut">
               <a:rPr lang="en-GB" smtClean="0"/>
-              <a:t>16/06/2021</a:t>
+              <a:t>24/06/2021</a:t>
             </a:fld>
             <a:endParaRPr lang="en-GB"/>
           </a:p>
@@ -1975,7 +1975,7 @@
           <a:p>
             <a:fld id="{8574AD51-66E8-41A2-B234-7784E7DEEE75}" type="datetimeFigureOut">
               <a:rPr lang="en-GB" smtClean="0"/>
-              <a:t>16/06/2021</a:t>
+              <a:t>24/06/2021</a:t>
             </a:fld>
             <a:endParaRPr lang="en-GB"/>
           </a:p>
@@ -2088,7 +2088,7 @@
           <a:p>
             <a:fld id="{8574AD51-66E8-41A2-B234-7784E7DEEE75}" type="datetimeFigureOut">
               <a:rPr lang="en-GB" smtClean="0"/>
-              <a:t>16/06/2021</a:t>
+              <a:t>24/06/2021</a:t>
             </a:fld>
             <a:endParaRPr lang="en-GB"/>
           </a:p>
@@ -2401,7 +2401,7 @@
           <a:p>
             <a:fld id="{8574AD51-66E8-41A2-B234-7784E7DEEE75}" type="datetimeFigureOut">
               <a:rPr lang="en-GB" smtClean="0"/>
-              <a:t>16/06/2021</a:t>
+              <a:t>24/06/2021</a:t>
             </a:fld>
             <a:endParaRPr lang="en-GB"/>
           </a:p>
@@ -2690,7 +2690,7 @@
           <a:p>
             <a:fld id="{8574AD51-66E8-41A2-B234-7784E7DEEE75}" type="datetimeFigureOut">
               <a:rPr lang="en-GB" smtClean="0"/>
-              <a:t>16/06/2021</a:t>
+              <a:t>24/06/2021</a:t>
             </a:fld>
             <a:endParaRPr lang="en-GB"/>
           </a:p>
@@ -2933,7 +2933,7 @@
           <a:p>
             <a:fld id="{8574AD51-66E8-41A2-B234-7784E7DEEE75}" type="datetimeFigureOut">
               <a:rPr lang="en-GB" smtClean="0"/>
-              <a:t>16/06/2021</a:t>
+              <a:t>24/06/2021</a:t>
             </a:fld>
             <a:endParaRPr lang="en-GB"/>
           </a:p>
@@ -3463,6 +3463,23 @@
               <a:t>CSS in component have higher priority in accordance with CSS inheritance rules.</a:t>
             </a:r>
           </a:p>
+          <a:p>
+            <a:r>
+              <a:rPr lang="en-GB" dirty="0">
+                <a:latin typeface="Avenir Next LT Pro" panose="020B0504020202020204" pitchFamily="34" charset="0"/>
+              </a:rPr>
+              <a:t>When it comes to the tag and slot in the page, the user has the final say if we are using :host and </a:t>
+            </a:r>
+            <a:r>
+              <a:rPr lang="en-GB">
+                <a:latin typeface="Avenir Next LT Pro" panose="020B0504020202020204" pitchFamily="34" charset="0"/>
+              </a:rPr>
+              <a:t>::slotted.</a:t>
+            </a:r>
+            <a:endParaRPr lang="en-GB" dirty="0">
+              <a:latin typeface="Avenir Next LT Pro" panose="020B0504020202020204" pitchFamily="34" charset="0"/>
+            </a:endParaRPr>
+          </a:p>
         </p:txBody>
       </p:sp>
     </p:spTree>
